--- a/pptx_templates/Geometric.pptx
+++ b/pptx_templates/Geometric.pptx
@@ -667,1122 +667,6 @@
     </a:lvl9pPr>
   </p:notesStyle>
 </p:notesMaster>
-</file>
-
-<file path=ppt/notesSlides/notesSlide108.xml><?xml version="1.0" encoding="utf-8"?>
-<p:notes xmlns:a="http://schemas.openxmlformats.org/drawingml/2006/main" xmlns:r="http://schemas.openxmlformats.org/officeDocument/2006/relationships" xmlns:p="http://schemas.openxmlformats.org/presentationml/2006/main">
-  <p:cSld>
-    <p:spTree>
-      <p:nvGrpSpPr>
-        <p:cNvPr id="1" name=""/>
-        <p:cNvGrpSpPr/>
-        <p:nvPr/>
-      </p:nvGrpSpPr>
-      <p:grpSpPr>
-        <a:xfrm>
-          <a:off x="0" y="0"/>
-          <a:ext cx="0" cy="0"/>
-          <a:chOff x="0" y="0"/>
-          <a:chExt cx="0" cy="0"/>
-        </a:xfrm>
-      </p:grpSpPr>
-      <p:sp>
-        <p:nvSpPr>
-          <p:cNvPr id="2" name="Slide Image Placeholder 1"/>
-          <p:cNvSpPr>
-            <a:spLocks noGrp="1" noRot="1" noChangeAspect="1"/>
-          </p:cNvSpPr>
-          <p:nvPr>
-            <p:ph type="sldImg"/>
-          </p:nvPr>
-        </p:nvSpPr>
-        <p:spPr/>
-      </p:sp>
-      <p:sp>
-        <p:nvSpPr>
-          <p:cNvPr id="3" name="Notes Placeholder 2"/>
-          <p:cNvSpPr>
-            <a:spLocks noGrp="1"/>
-          </p:cNvSpPr>
-          <p:nvPr>
-            <p:ph type="body" idx="1"/>
-          </p:nvPr>
-        </p:nvSpPr>
-        <p:spPr/>
-        <p:txBody>
-          <a:bodyPr/>
-          <a:lstStyle/>
-          <a:p>
-            <a:endParaRPr lang="en-US" dirty="0"/>
-          </a:p>
-        </p:txBody>
-      </p:sp>
-      <p:sp>
-        <p:nvSpPr>
-          <p:cNvPr id="4" name="Slide Number Placeholder 3"/>
-          <p:cNvSpPr>
-            <a:spLocks noGrp="1"/>
-          </p:cNvSpPr>
-          <p:nvPr>
-            <p:ph type="sldNum" sz="quarter" idx="5"/>
-          </p:nvPr>
-        </p:nvSpPr>
-        <p:spPr/>
-        <p:txBody>
-          <a:bodyPr/>
-          <a:lstStyle/>
-          <a:p>
-            <a:fld id="{A89C7E07-3C67-C64C-8DA0-0404F6303970}" type="slidenum">
-              <a:rPr lang="en-US" smtClean="0"/>
-              <a:t>10</a:t>
-            </a:fld>
-            <a:endParaRPr lang="en-US" dirty="0"/>
-          </a:p>
-        </p:txBody>
-      </p:sp>
-    </p:spTree>
-    <p:extLst>
-      <p:ext uri="{BB962C8B-B14F-4D97-AF65-F5344CB8AC3E}">
-        <p14:creationId xmlns:p14="http://schemas.microsoft.com/office/powerpoint/2010/main" val="4050233131"/>
-      </p:ext>
-    </p:extLst>
-  </p:cSld>
-  <p:clrMapOvr>
-    <a:masterClrMapping/>
-  </p:clrMapOvr>
-</p:notes>
-</file>
-
-<file path=ppt/notesSlides/notesSlide115.xml><?xml version="1.0" encoding="utf-8"?>
-<p:notes xmlns:a="http://schemas.openxmlformats.org/drawingml/2006/main" xmlns:r="http://schemas.openxmlformats.org/officeDocument/2006/relationships" xmlns:p="http://schemas.openxmlformats.org/presentationml/2006/main">
-  <p:cSld>
-    <p:spTree>
-      <p:nvGrpSpPr>
-        <p:cNvPr id="1" name=""/>
-        <p:cNvGrpSpPr/>
-        <p:nvPr/>
-      </p:nvGrpSpPr>
-      <p:grpSpPr>
-        <a:xfrm>
-          <a:off x="0" y="0"/>
-          <a:ext cx="0" cy="0"/>
-          <a:chOff x="0" y="0"/>
-          <a:chExt cx="0" cy="0"/>
-        </a:xfrm>
-      </p:grpSpPr>
-      <p:sp>
-        <p:nvSpPr>
-          <p:cNvPr id="2" name="Slide Image Placeholder 1"/>
-          <p:cNvSpPr>
-            <a:spLocks noGrp="1" noRot="1" noChangeAspect="1"/>
-          </p:cNvSpPr>
-          <p:nvPr>
-            <p:ph type="sldImg"/>
-          </p:nvPr>
-        </p:nvSpPr>
-        <p:spPr/>
-      </p:sp>
-      <p:sp>
-        <p:nvSpPr>
-          <p:cNvPr id="3" name="Notes Placeholder 2"/>
-          <p:cNvSpPr>
-            <a:spLocks noGrp="1"/>
-          </p:cNvSpPr>
-          <p:nvPr>
-            <p:ph type="body" idx="1"/>
-          </p:nvPr>
-        </p:nvSpPr>
-        <p:spPr/>
-        <p:txBody>
-          <a:bodyPr/>
-          <a:lstStyle/>
-          <a:p>
-            <a:endParaRPr lang="en-US" dirty="0"/>
-          </a:p>
-        </p:txBody>
-      </p:sp>
-      <p:sp>
-        <p:nvSpPr>
-          <p:cNvPr id="4" name="Slide Number Placeholder 3"/>
-          <p:cNvSpPr>
-            <a:spLocks noGrp="1"/>
-          </p:cNvSpPr>
-          <p:nvPr>
-            <p:ph type="sldNum" sz="quarter" idx="5"/>
-          </p:nvPr>
-        </p:nvSpPr>
-        <p:spPr/>
-        <p:txBody>
-          <a:bodyPr/>
-          <a:lstStyle/>
-          <a:p>
-            <a:fld id="{A89C7E07-3C67-C64C-8DA0-0404F6303970}" type="slidenum">
-              <a:rPr lang="en-US" smtClean="0"/>
-              <a:t>11</a:t>
-            </a:fld>
-            <a:endParaRPr lang="en-US" dirty="0"/>
-          </a:p>
-        </p:txBody>
-      </p:sp>
-    </p:spTree>
-    <p:extLst>
-      <p:ext uri="{BB962C8B-B14F-4D97-AF65-F5344CB8AC3E}">
-        <p14:creationId xmlns:p14="http://schemas.microsoft.com/office/powerpoint/2010/main" val="634596896"/>
-      </p:ext>
-    </p:extLst>
-  </p:cSld>
-  <p:clrMapOvr>
-    <a:masterClrMapping/>
-  </p:clrMapOvr>
-</p:notes>
-</file>
-
-<file path=ppt/notesSlides/notesSlide122.xml><?xml version="1.0" encoding="utf-8"?>
-<p:notes xmlns:a="http://schemas.openxmlformats.org/drawingml/2006/main" xmlns:r="http://schemas.openxmlformats.org/officeDocument/2006/relationships" xmlns:p="http://schemas.openxmlformats.org/presentationml/2006/main">
-  <p:cSld>
-    <p:spTree>
-      <p:nvGrpSpPr>
-        <p:cNvPr id="1" name=""/>
-        <p:cNvGrpSpPr/>
-        <p:nvPr/>
-      </p:nvGrpSpPr>
-      <p:grpSpPr>
-        <a:xfrm>
-          <a:off x="0" y="0"/>
-          <a:ext cx="0" cy="0"/>
-          <a:chOff x="0" y="0"/>
-          <a:chExt cx="0" cy="0"/>
-        </a:xfrm>
-      </p:grpSpPr>
-      <p:sp>
-        <p:nvSpPr>
-          <p:cNvPr id="2" name="Slide Image Placeholder 1"/>
-          <p:cNvSpPr>
-            <a:spLocks noGrp="1" noRot="1" noChangeAspect="1"/>
-          </p:cNvSpPr>
-          <p:nvPr>
-            <p:ph type="sldImg"/>
-          </p:nvPr>
-        </p:nvSpPr>
-        <p:spPr/>
-      </p:sp>
-      <p:sp>
-        <p:nvSpPr>
-          <p:cNvPr id="3" name="Notes Placeholder 2"/>
-          <p:cNvSpPr>
-            <a:spLocks noGrp="1"/>
-          </p:cNvSpPr>
-          <p:nvPr>
-            <p:ph type="body" idx="1"/>
-          </p:nvPr>
-        </p:nvSpPr>
-        <p:spPr/>
-        <p:txBody>
-          <a:bodyPr/>
-          <a:lstStyle/>
-          <a:p>
-            <a:endParaRPr lang="en-US" dirty="0"/>
-          </a:p>
-        </p:txBody>
-      </p:sp>
-      <p:sp>
-        <p:nvSpPr>
-          <p:cNvPr id="4" name="Slide Number Placeholder 3"/>
-          <p:cNvSpPr>
-            <a:spLocks noGrp="1"/>
-          </p:cNvSpPr>
-          <p:nvPr>
-            <p:ph type="sldNum" sz="quarter" idx="5"/>
-          </p:nvPr>
-        </p:nvSpPr>
-        <p:spPr/>
-        <p:txBody>
-          <a:bodyPr/>
-          <a:lstStyle/>
-          <a:p>
-            <a:fld id="{A89C7E07-3C67-C64C-8DA0-0404F6303970}" type="slidenum">
-              <a:rPr lang="en-US" smtClean="0"/>
-              <a:t>12</a:t>
-            </a:fld>
-            <a:endParaRPr lang="en-US" dirty="0"/>
-          </a:p>
-        </p:txBody>
-      </p:sp>
-    </p:spTree>
-    <p:extLst>
-      <p:ext uri="{BB962C8B-B14F-4D97-AF65-F5344CB8AC3E}">
-        <p14:creationId xmlns:p14="http://schemas.microsoft.com/office/powerpoint/2010/main" val="514488140"/>
-      </p:ext>
-    </p:extLst>
-  </p:cSld>
-  <p:clrMapOvr>
-    <a:masterClrMapping/>
-  </p:clrMapOvr>
-</p:notes>
-</file>
-
-<file path=ppt/notesSlides/notesSlide1313.xml><?xml version="1.0" encoding="utf-8"?>
-<p:notes xmlns:a="http://schemas.openxmlformats.org/drawingml/2006/main" xmlns:r="http://schemas.openxmlformats.org/officeDocument/2006/relationships" xmlns:p="http://schemas.openxmlformats.org/presentationml/2006/main">
-  <p:cSld>
-    <p:spTree>
-      <p:nvGrpSpPr>
-        <p:cNvPr id="1" name=""/>
-        <p:cNvGrpSpPr/>
-        <p:nvPr/>
-      </p:nvGrpSpPr>
-      <p:grpSpPr>
-        <a:xfrm>
-          <a:off x="0" y="0"/>
-          <a:ext cx="0" cy="0"/>
-          <a:chOff x="0" y="0"/>
-          <a:chExt cx="0" cy="0"/>
-        </a:xfrm>
-      </p:grpSpPr>
-      <p:sp>
-        <p:nvSpPr>
-          <p:cNvPr id="2" name="Slide Image Placeholder 1"/>
-          <p:cNvSpPr>
-            <a:spLocks noGrp="1" noRot="1" noChangeAspect="1"/>
-          </p:cNvSpPr>
-          <p:nvPr>
-            <p:ph type="sldImg"/>
-          </p:nvPr>
-        </p:nvSpPr>
-        <p:spPr/>
-      </p:sp>
-      <p:sp>
-        <p:nvSpPr>
-          <p:cNvPr id="3" name="Notes Placeholder 2"/>
-          <p:cNvSpPr>
-            <a:spLocks noGrp="1"/>
-          </p:cNvSpPr>
-          <p:nvPr>
-            <p:ph type="body" idx="1"/>
-          </p:nvPr>
-        </p:nvSpPr>
-        <p:spPr/>
-        <p:txBody>
-          <a:bodyPr/>
-          <a:lstStyle/>
-          <a:p>
-            <a:endParaRPr lang="en-US" dirty="0"/>
-          </a:p>
-        </p:txBody>
-      </p:sp>
-      <p:sp>
-        <p:nvSpPr>
-          <p:cNvPr id="4" name="Slide Number Placeholder 3"/>
-          <p:cNvSpPr>
-            <a:spLocks noGrp="1"/>
-          </p:cNvSpPr>
-          <p:nvPr>
-            <p:ph type="sldNum" sz="quarter" idx="5"/>
-          </p:nvPr>
-        </p:nvSpPr>
-        <p:spPr/>
-        <p:txBody>
-          <a:bodyPr/>
-          <a:lstStyle/>
-          <a:p>
-            <a:fld id="{A89C7E07-3C67-C64C-8DA0-0404F6303970}" type="slidenum">
-              <a:rPr lang="en-US" smtClean="0"/>
-              <a:t>13</a:t>
-            </a:fld>
-            <a:endParaRPr lang="en-US" dirty="0"/>
-          </a:p>
-        </p:txBody>
-      </p:sp>
-    </p:spTree>
-    <p:extLst>
-      <p:ext uri="{BB962C8B-B14F-4D97-AF65-F5344CB8AC3E}">
-        <p14:creationId xmlns:p14="http://schemas.microsoft.com/office/powerpoint/2010/main" val="1765923172"/>
-      </p:ext>
-    </p:extLst>
-  </p:cSld>
-  <p:clrMapOvr>
-    <a:masterClrMapping/>
-  </p:clrMapOvr>
-</p:notes>
-</file>
-
-<file path=ppt/notesSlides/notesSlide16.xml><?xml version="1.0" encoding="utf-8"?>
-<p:notes xmlns:a="http://schemas.openxmlformats.org/drawingml/2006/main" xmlns:r="http://schemas.openxmlformats.org/officeDocument/2006/relationships" xmlns:p="http://schemas.openxmlformats.org/presentationml/2006/main">
-  <p:cSld>
-    <p:spTree>
-      <p:nvGrpSpPr>
-        <p:cNvPr id="1" name=""/>
-        <p:cNvGrpSpPr/>
-        <p:nvPr/>
-      </p:nvGrpSpPr>
-      <p:grpSpPr>
-        <a:xfrm>
-          <a:off x="0" y="0"/>
-          <a:ext cx="0" cy="0"/>
-          <a:chOff x="0" y="0"/>
-          <a:chExt cx="0" cy="0"/>
-        </a:xfrm>
-      </p:grpSpPr>
-      <p:sp>
-        <p:nvSpPr>
-          <p:cNvPr id="2" name="Slide Image Placeholder 1"/>
-          <p:cNvSpPr>
-            <a:spLocks noGrp="1" noRot="1" noChangeAspect="1"/>
-          </p:cNvSpPr>
-          <p:nvPr>
-            <p:ph type="sldImg"/>
-          </p:nvPr>
-        </p:nvSpPr>
-        <p:spPr/>
-      </p:sp>
-      <p:sp>
-        <p:nvSpPr>
-          <p:cNvPr id="3" name="Notes Placeholder 2"/>
-          <p:cNvSpPr>
-            <a:spLocks noGrp="1"/>
-          </p:cNvSpPr>
-          <p:nvPr>
-            <p:ph type="body" idx="1"/>
-          </p:nvPr>
-        </p:nvSpPr>
-        <p:spPr/>
-        <p:txBody>
-          <a:bodyPr/>
-          <a:lstStyle/>
-          <a:p>
-            <a:endParaRPr lang="en-US" dirty="0"/>
-          </a:p>
-        </p:txBody>
-      </p:sp>
-      <p:sp>
-        <p:nvSpPr>
-          <p:cNvPr id="4" name="Slide Number Placeholder 3"/>
-          <p:cNvSpPr>
-            <a:spLocks noGrp="1"/>
-          </p:cNvSpPr>
-          <p:nvPr>
-            <p:ph type="sldNum" sz="quarter" idx="5"/>
-          </p:nvPr>
-        </p:nvSpPr>
-        <p:spPr/>
-        <p:txBody>
-          <a:bodyPr/>
-          <a:lstStyle/>
-          <a:p>
-            <a:fld id="{A89C7E07-3C67-C64C-8DA0-0404F6303970}" type="slidenum">
-              <a:rPr lang="en-US" smtClean="0"/>
-              <a:t>1</a:t>
-            </a:fld>
-            <a:endParaRPr lang="en-US" dirty="0"/>
-          </a:p>
-        </p:txBody>
-      </p:sp>
-    </p:spTree>
-    <p:extLst>
-      <p:ext uri="{BB962C8B-B14F-4D97-AF65-F5344CB8AC3E}">
-        <p14:creationId xmlns:p14="http://schemas.microsoft.com/office/powerpoint/2010/main" val="1092453862"/>
-      </p:ext>
-    </p:extLst>
-  </p:cSld>
-  <p:clrMapOvr>
-    <a:masterClrMapping/>
-  </p:clrMapOvr>
-</p:notes>
-</file>
-
-<file path=ppt/notesSlides/notesSlide23.xml><?xml version="1.0" encoding="utf-8"?>
-<p:notes xmlns:a="http://schemas.openxmlformats.org/drawingml/2006/main" xmlns:r="http://schemas.openxmlformats.org/officeDocument/2006/relationships" xmlns:p="http://schemas.openxmlformats.org/presentationml/2006/main">
-  <p:cSld>
-    <p:spTree>
-      <p:nvGrpSpPr>
-        <p:cNvPr id="1" name=""/>
-        <p:cNvGrpSpPr/>
-        <p:nvPr/>
-      </p:nvGrpSpPr>
-      <p:grpSpPr>
-        <a:xfrm>
-          <a:off x="0" y="0"/>
-          <a:ext cx="0" cy="0"/>
-          <a:chOff x="0" y="0"/>
-          <a:chExt cx="0" cy="0"/>
-        </a:xfrm>
-      </p:grpSpPr>
-      <p:sp>
-        <p:nvSpPr>
-          <p:cNvPr id="2" name="Slide Image Placeholder 1"/>
-          <p:cNvSpPr>
-            <a:spLocks noGrp="1" noRot="1" noChangeAspect="1"/>
-          </p:cNvSpPr>
-          <p:nvPr>
-            <p:ph type="sldImg"/>
-          </p:nvPr>
-        </p:nvSpPr>
-        <p:spPr/>
-      </p:sp>
-      <p:sp>
-        <p:nvSpPr>
-          <p:cNvPr id="3" name="Notes Placeholder 2"/>
-          <p:cNvSpPr>
-            <a:spLocks noGrp="1"/>
-          </p:cNvSpPr>
-          <p:nvPr>
-            <p:ph type="body" idx="1"/>
-          </p:nvPr>
-        </p:nvSpPr>
-        <p:spPr/>
-        <p:txBody>
-          <a:bodyPr/>
-          <a:lstStyle/>
-          <a:p>
-            <a:endParaRPr lang="en-US" dirty="0"/>
-          </a:p>
-        </p:txBody>
-      </p:sp>
-      <p:sp>
-        <p:nvSpPr>
-          <p:cNvPr id="4" name="Slide Number Placeholder 3"/>
-          <p:cNvSpPr>
-            <a:spLocks noGrp="1"/>
-          </p:cNvSpPr>
-          <p:nvPr>
-            <p:ph type="sldNum" sz="quarter" idx="5"/>
-          </p:nvPr>
-        </p:nvSpPr>
-        <p:spPr/>
-        <p:txBody>
-          <a:bodyPr/>
-          <a:lstStyle/>
-          <a:p>
-            <a:fld id="{A89C7E07-3C67-C64C-8DA0-0404F6303970}" type="slidenum">
-              <a:rPr lang="en-US" smtClean="0"/>
-              <a:t>2</a:t>
-            </a:fld>
-            <a:endParaRPr lang="en-US" dirty="0"/>
-          </a:p>
-        </p:txBody>
-      </p:sp>
-    </p:spTree>
-    <p:extLst>
-      <p:ext uri="{BB962C8B-B14F-4D97-AF65-F5344CB8AC3E}">
-        <p14:creationId xmlns:p14="http://schemas.microsoft.com/office/powerpoint/2010/main" val="3113416817"/>
-      </p:ext>
-    </p:extLst>
-  </p:cSld>
-  <p:clrMapOvr>
-    <a:masterClrMapping/>
-  </p:clrMapOvr>
-</p:notes>
-</file>
-
-<file path=ppt/notesSlides/notesSlide311.xml><?xml version="1.0" encoding="utf-8"?>
-<p:notes xmlns:a="http://schemas.openxmlformats.org/drawingml/2006/main" xmlns:r="http://schemas.openxmlformats.org/officeDocument/2006/relationships" xmlns:p="http://schemas.openxmlformats.org/presentationml/2006/main">
-  <p:cSld>
-    <p:spTree>
-      <p:nvGrpSpPr>
-        <p:cNvPr id="1" name=""/>
-        <p:cNvGrpSpPr/>
-        <p:nvPr/>
-      </p:nvGrpSpPr>
-      <p:grpSpPr>
-        <a:xfrm>
-          <a:off x="0" y="0"/>
-          <a:ext cx="0" cy="0"/>
-          <a:chOff x="0" y="0"/>
-          <a:chExt cx="0" cy="0"/>
-        </a:xfrm>
-      </p:grpSpPr>
-      <p:sp>
-        <p:nvSpPr>
-          <p:cNvPr id="2" name="Slide Image Placeholder 1"/>
-          <p:cNvSpPr>
-            <a:spLocks noGrp="1" noRot="1" noChangeAspect="1"/>
-          </p:cNvSpPr>
-          <p:nvPr>
-            <p:ph type="sldImg"/>
-          </p:nvPr>
-        </p:nvSpPr>
-        <p:spPr/>
-      </p:sp>
-      <p:sp>
-        <p:nvSpPr>
-          <p:cNvPr id="3" name="Notes Placeholder 2"/>
-          <p:cNvSpPr>
-            <a:spLocks noGrp="1"/>
-          </p:cNvSpPr>
-          <p:nvPr>
-            <p:ph type="body" idx="1"/>
-          </p:nvPr>
-        </p:nvSpPr>
-        <p:spPr/>
-        <p:txBody>
-          <a:bodyPr/>
-          <a:lstStyle/>
-          <a:p>
-            <a:endParaRPr lang="en-US" dirty="0"/>
-          </a:p>
-        </p:txBody>
-      </p:sp>
-      <p:sp>
-        <p:nvSpPr>
-          <p:cNvPr id="4" name="Slide Number Placeholder 3"/>
-          <p:cNvSpPr>
-            <a:spLocks noGrp="1"/>
-          </p:cNvSpPr>
-          <p:nvPr>
-            <p:ph type="sldNum" sz="quarter" idx="5"/>
-          </p:nvPr>
-        </p:nvSpPr>
-        <p:spPr/>
-        <p:txBody>
-          <a:bodyPr/>
-          <a:lstStyle/>
-          <a:p>
-            <a:fld id="{A89C7E07-3C67-C64C-8DA0-0404F6303970}" type="slidenum">
-              <a:rPr lang="en-US" smtClean="0"/>
-              <a:t>3</a:t>
-            </a:fld>
-            <a:endParaRPr lang="en-US" dirty="0"/>
-          </a:p>
-        </p:txBody>
-      </p:sp>
-    </p:spTree>
-    <p:extLst>
-      <p:ext uri="{BB962C8B-B14F-4D97-AF65-F5344CB8AC3E}">
-        <p14:creationId xmlns:p14="http://schemas.microsoft.com/office/powerpoint/2010/main" val="2730433110"/>
-      </p:ext>
-    </p:extLst>
-  </p:cSld>
-  <p:clrMapOvr>
-    <a:masterClrMapping/>
-  </p:clrMapOvr>
-</p:notes>
-</file>
-
-<file path=ppt/notesSlides/notesSlide49.xml><?xml version="1.0" encoding="utf-8"?>
-<p:notes xmlns:a="http://schemas.openxmlformats.org/drawingml/2006/main" xmlns:r="http://schemas.openxmlformats.org/officeDocument/2006/relationships" xmlns:p="http://schemas.openxmlformats.org/presentationml/2006/main">
-  <p:cSld>
-    <p:spTree>
-      <p:nvGrpSpPr>
-        <p:cNvPr id="1" name=""/>
-        <p:cNvGrpSpPr/>
-        <p:nvPr/>
-      </p:nvGrpSpPr>
-      <p:grpSpPr>
-        <a:xfrm>
-          <a:off x="0" y="0"/>
-          <a:ext cx="0" cy="0"/>
-          <a:chOff x="0" y="0"/>
-          <a:chExt cx="0" cy="0"/>
-        </a:xfrm>
-      </p:grpSpPr>
-      <p:sp>
-        <p:nvSpPr>
-          <p:cNvPr id="2" name="Slide Image Placeholder 1"/>
-          <p:cNvSpPr>
-            <a:spLocks noGrp="1" noRot="1" noChangeAspect="1"/>
-          </p:cNvSpPr>
-          <p:nvPr>
-            <p:ph type="sldImg"/>
-          </p:nvPr>
-        </p:nvSpPr>
-        <p:spPr/>
-      </p:sp>
-      <p:sp>
-        <p:nvSpPr>
-          <p:cNvPr id="3" name="Notes Placeholder 2"/>
-          <p:cNvSpPr>
-            <a:spLocks noGrp="1"/>
-          </p:cNvSpPr>
-          <p:nvPr>
-            <p:ph type="body" idx="1"/>
-          </p:nvPr>
-        </p:nvSpPr>
-        <p:spPr/>
-        <p:txBody>
-          <a:bodyPr/>
-          <a:lstStyle/>
-          <a:p>
-            <a:endParaRPr lang="en-US" dirty="0"/>
-          </a:p>
-        </p:txBody>
-      </p:sp>
-      <p:sp>
-        <p:nvSpPr>
-          <p:cNvPr id="4" name="Slide Number Placeholder 3"/>
-          <p:cNvSpPr>
-            <a:spLocks noGrp="1"/>
-          </p:cNvSpPr>
-          <p:nvPr>
-            <p:ph type="sldNum" sz="quarter" idx="5"/>
-          </p:nvPr>
-        </p:nvSpPr>
-        <p:spPr/>
-        <p:txBody>
-          <a:bodyPr/>
-          <a:lstStyle/>
-          <a:p>
-            <a:fld id="{A89C7E07-3C67-C64C-8DA0-0404F6303970}" type="slidenum">
-              <a:rPr lang="en-US" smtClean="0"/>
-              <a:t>4</a:t>
-            </a:fld>
-            <a:endParaRPr lang="en-US" dirty="0"/>
-          </a:p>
-        </p:txBody>
-      </p:sp>
-    </p:spTree>
-    <p:extLst>
-      <p:ext uri="{BB962C8B-B14F-4D97-AF65-F5344CB8AC3E}">
-        <p14:creationId xmlns:p14="http://schemas.microsoft.com/office/powerpoint/2010/main" val="3576248012"/>
-      </p:ext>
-    </p:extLst>
-  </p:cSld>
-  <p:clrMapOvr>
-    <a:masterClrMapping/>
-  </p:clrMapOvr>
-</p:notes>
-</file>
-
-<file path=ppt/notesSlides/notesSlide57.xml><?xml version="1.0" encoding="utf-8"?>
-<p:notes xmlns:a="http://schemas.openxmlformats.org/drawingml/2006/main" xmlns:r="http://schemas.openxmlformats.org/officeDocument/2006/relationships" xmlns:p="http://schemas.openxmlformats.org/presentationml/2006/main">
-  <p:cSld>
-    <p:spTree>
-      <p:nvGrpSpPr>
-        <p:cNvPr id="1" name=""/>
-        <p:cNvGrpSpPr/>
-        <p:nvPr/>
-      </p:nvGrpSpPr>
-      <p:grpSpPr>
-        <a:xfrm>
-          <a:off x="0" y="0"/>
-          <a:ext cx="0" cy="0"/>
-          <a:chOff x="0" y="0"/>
-          <a:chExt cx="0" cy="0"/>
-        </a:xfrm>
-      </p:grpSpPr>
-      <p:sp>
-        <p:nvSpPr>
-          <p:cNvPr id="2" name="Slide Image Placeholder 1"/>
-          <p:cNvSpPr>
-            <a:spLocks noGrp="1" noRot="1" noChangeAspect="1"/>
-          </p:cNvSpPr>
-          <p:nvPr>
-            <p:ph type="sldImg"/>
-          </p:nvPr>
-        </p:nvSpPr>
-        <p:spPr/>
-      </p:sp>
-      <p:sp>
-        <p:nvSpPr>
-          <p:cNvPr id="3" name="Notes Placeholder 2"/>
-          <p:cNvSpPr>
-            <a:spLocks noGrp="1"/>
-          </p:cNvSpPr>
-          <p:nvPr>
-            <p:ph type="body" idx="1"/>
-          </p:nvPr>
-        </p:nvSpPr>
-        <p:spPr/>
-        <p:txBody>
-          <a:bodyPr/>
-          <a:lstStyle/>
-          <a:p>
-            <a:endParaRPr lang="en-US" dirty="0"/>
-          </a:p>
-        </p:txBody>
-      </p:sp>
-      <p:sp>
-        <p:nvSpPr>
-          <p:cNvPr id="4" name="Slide Number Placeholder 3"/>
-          <p:cNvSpPr>
-            <a:spLocks noGrp="1"/>
-          </p:cNvSpPr>
-          <p:nvPr>
-            <p:ph type="sldNum" sz="quarter" idx="5"/>
-          </p:nvPr>
-        </p:nvSpPr>
-        <p:spPr/>
-        <p:txBody>
-          <a:bodyPr/>
-          <a:lstStyle/>
-          <a:p>
-            <a:fld id="{A89C7E07-3C67-C64C-8DA0-0404F6303970}" type="slidenum">
-              <a:rPr lang="en-US" smtClean="0"/>
-              <a:t>5</a:t>
-            </a:fld>
-            <a:endParaRPr lang="en-US" dirty="0"/>
-          </a:p>
-        </p:txBody>
-      </p:sp>
-    </p:spTree>
-    <p:extLst>
-      <p:ext uri="{BB962C8B-B14F-4D97-AF65-F5344CB8AC3E}">
-        <p14:creationId xmlns:p14="http://schemas.microsoft.com/office/powerpoint/2010/main" val="3908276564"/>
-      </p:ext>
-    </p:extLst>
-  </p:cSld>
-  <p:clrMapOvr>
-    <a:masterClrMapping/>
-  </p:clrMapOvr>
-</p:notes>
-</file>
-
-<file path=ppt/notesSlides/notesSlide64.xml><?xml version="1.0" encoding="utf-8"?>
-<p:notes xmlns:a="http://schemas.openxmlformats.org/drawingml/2006/main" xmlns:r="http://schemas.openxmlformats.org/officeDocument/2006/relationships" xmlns:p="http://schemas.openxmlformats.org/presentationml/2006/main">
-  <p:cSld>
-    <p:spTree>
-      <p:nvGrpSpPr>
-        <p:cNvPr id="1" name="">
-          <a:extLst>
-            <a:ext uri="{FF2B5EF4-FFF2-40B4-BE49-F238E27FC236}">
-              <a16:creationId xmlns:a16="http://schemas.microsoft.com/office/drawing/2014/main" id="{14BBC04D-2568-C19F-6211-ABA7996CBC5B}"/>
-            </a:ext>
-          </a:extLst>
-        </p:cNvPr>
-        <p:cNvGrpSpPr/>
-        <p:nvPr/>
-      </p:nvGrpSpPr>
-      <p:grpSpPr>
-        <a:xfrm>
-          <a:off x="0" y="0"/>
-          <a:ext cx="0" cy="0"/>
-          <a:chOff x="0" y="0"/>
-          <a:chExt cx="0" cy="0"/>
-        </a:xfrm>
-      </p:grpSpPr>
-      <p:sp>
-        <p:nvSpPr>
-          <p:cNvPr id="2" name="Slide Image Placeholder 1">
-            <a:extLst>
-              <a:ext uri="{FF2B5EF4-FFF2-40B4-BE49-F238E27FC236}">
-                <a16:creationId xmlns:a16="http://schemas.microsoft.com/office/drawing/2014/main" id="{BBBD96A4-D432-FA69-5E46-4DF91D77CA91}"/>
-              </a:ext>
-            </a:extLst>
-          </p:cNvPr>
-          <p:cNvSpPr>
-            <a:spLocks noGrp="1" noRot="1" noChangeAspect="1"/>
-          </p:cNvSpPr>
-          <p:nvPr>
-            <p:ph type="sldImg"/>
-          </p:nvPr>
-        </p:nvSpPr>
-        <p:spPr/>
-      </p:sp>
-      <p:sp>
-        <p:nvSpPr>
-          <p:cNvPr id="3" name="Notes Placeholder 2">
-            <a:extLst>
-              <a:ext uri="{FF2B5EF4-FFF2-40B4-BE49-F238E27FC236}">
-                <a16:creationId xmlns:a16="http://schemas.microsoft.com/office/drawing/2014/main" id="{EF639921-CFBB-DE6F-31EB-81B758CA0268}"/>
-              </a:ext>
-            </a:extLst>
-          </p:cNvPr>
-          <p:cNvSpPr>
-            <a:spLocks noGrp="1"/>
-          </p:cNvSpPr>
-          <p:nvPr>
-            <p:ph type="body" idx="1"/>
-          </p:nvPr>
-        </p:nvSpPr>
-        <p:spPr/>
-        <p:txBody>
-          <a:bodyPr/>
-          <a:lstStyle/>
-          <a:p>
-            <a:endParaRPr lang="en-US" dirty="0"/>
-          </a:p>
-        </p:txBody>
-      </p:sp>
-      <p:sp>
-        <p:nvSpPr>
-          <p:cNvPr id="4" name="Slide Number Placeholder 3">
-            <a:extLst>
-              <a:ext uri="{FF2B5EF4-FFF2-40B4-BE49-F238E27FC236}">
-                <a16:creationId xmlns:a16="http://schemas.microsoft.com/office/drawing/2014/main" id="{4453E3F8-8185-F97B-2F08-1F44FCE2A5AB}"/>
-              </a:ext>
-            </a:extLst>
-          </p:cNvPr>
-          <p:cNvSpPr>
-            <a:spLocks noGrp="1"/>
-          </p:cNvSpPr>
-          <p:nvPr>
-            <p:ph type="sldNum" sz="quarter" idx="5"/>
-          </p:nvPr>
-        </p:nvSpPr>
-        <p:spPr/>
-        <p:txBody>
-          <a:bodyPr/>
-          <a:lstStyle/>
-          <a:p>
-            <a:fld id="{A89C7E07-3C67-C64C-8DA0-0404F6303970}" type="slidenum">
-              <a:rPr lang="en-US" smtClean="0"/>
-              <a:t>6</a:t>
-            </a:fld>
-            <a:endParaRPr lang="en-US" dirty="0"/>
-          </a:p>
-        </p:txBody>
-      </p:sp>
-    </p:spTree>
-    <p:extLst>
-      <p:ext uri="{BB962C8B-B14F-4D97-AF65-F5344CB8AC3E}">
-        <p14:creationId xmlns:p14="http://schemas.microsoft.com/office/powerpoint/2010/main" val="3727777786"/>
-      </p:ext>
-    </p:extLst>
-  </p:cSld>
-  <p:clrMapOvr>
-    <a:masterClrMapping/>
-  </p:clrMapOvr>
-</p:notes>
-</file>
-
-<file path=ppt/notesSlides/notesSlide71.xml><?xml version="1.0" encoding="utf-8"?>
-<p:notes xmlns:a="http://schemas.openxmlformats.org/drawingml/2006/main" xmlns:r="http://schemas.openxmlformats.org/officeDocument/2006/relationships" xmlns:p="http://schemas.openxmlformats.org/presentationml/2006/main">
-  <p:cSld>
-    <p:spTree>
-      <p:nvGrpSpPr>
-        <p:cNvPr id="1" name=""/>
-        <p:cNvGrpSpPr/>
-        <p:nvPr/>
-      </p:nvGrpSpPr>
-      <p:grpSpPr>
-        <a:xfrm>
-          <a:off x="0" y="0"/>
-          <a:ext cx="0" cy="0"/>
-          <a:chOff x="0" y="0"/>
-          <a:chExt cx="0" cy="0"/>
-        </a:xfrm>
-      </p:grpSpPr>
-      <p:sp>
-        <p:nvSpPr>
-          <p:cNvPr id="2" name="Slide Image Placeholder 1"/>
-          <p:cNvSpPr>
-            <a:spLocks noGrp="1" noRot="1" noChangeAspect="1"/>
-          </p:cNvSpPr>
-          <p:nvPr>
-            <p:ph type="sldImg"/>
-          </p:nvPr>
-        </p:nvSpPr>
-        <p:spPr/>
-      </p:sp>
-      <p:sp>
-        <p:nvSpPr>
-          <p:cNvPr id="3" name="Notes Placeholder 2"/>
-          <p:cNvSpPr>
-            <a:spLocks noGrp="1"/>
-          </p:cNvSpPr>
-          <p:nvPr>
-            <p:ph type="body" idx="1"/>
-          </p:nvPr>
-        </p:nvSpPr>
-        <p:spPr/>
-        <p:txBody>
-          <a:bodyPr/>
-          <a:lstStyle/>
-          <a:p>
-            <a:endParaRPr lang="en-US" dirty="0"/>
-          </a:p>
-        </p:txBody>
-      </p:sp>
-      <p:sp>
-        <p:nvSpPr>
-          <p:cNvPr id="4" name="Slide Number Placeholder 3"/>
-          <p:cNvSpPr>
-            <a:spLocks noGrp="1"/>
-          </p:cNvSpPr>
-          <p:nvPr>
-            <p:ph type="sldNum" sz="quarter" idx="5"/>
-          </p:nvPr>
-        </p:nvSpPr>
-        <p:spPr/>
-        <p:txBody>
-          <a:bodyPr/>
-          <a:lstStyle/>
-          <a:p>
-            <a:fld id="{A89C7E07-3C67-C64C-8DA0-0404F6303970}" type="slidenum">
-              <a:rPr lang="en-US" smtClean="0"/>
-              <a:t>7</a:t>
-            </a:fld>
-            <a:endParaRPr lang="en-US" dirty="0"/>
-          </a:p>
-        </p:txBody>
-      </p:sp>
-    </p:spTree>
-    <p:extLst>
-      <p:ext uri="{BB962C8B-B14F-4D97-AF65-F5344CB8AC3E}">
-        <p14:creationId xmlns:p14="http://schemas.microsoft.com/office/powerpoint/2010/main" val="2386183720"/>
-      </p:ext>
-    </p:extLst>
-  </p:cSld>
-  <p:clrMapOvr>
-    <a:masterClrMapping/>
-  </p:clrMapOvr>
-</p:notes>
-</file>
-
-<file path=ppt/notesSlides/notesSlide812.xml><?xml version="1.0" encoding="utf-8"?>
-<p:notes xmlns:a="http://schemas.openxmlformats.org/drawingml/2006/main" xmlns:r="http://schemas.openxmlformats.org/officeDocument/2006/relationships" xmlns:p="http://schemas.openxmlformats.org/presentationml/2006/main">
-  <p:cSld>
-    <p:spTree>
-      <p:nvGrpSpPr>
-        <p:cNvPr id="1" name=""/>
-        <p:cNvGrpSpPr/>
-        <p:nvPr/>
-      </p:nvGrpSpPr>
-      <p:grpSpPr>
-        <a:xfrm>
-          <a:off x="0" y="0"/>
-          <a:ext cx="0" cy="0"/>
-          <a:chOff x="0" y="0"/>
-          <a:chExt cx="0" cy="0"/>
-        </a:xfrm>
-      </p:grpSpPr>
-      <p:sp>
-        <p:nvSpPr>
-          <p:cNvPr id="2" name="Slide Image Placeholder 1"/>
-          <p:cNvSpPr>
-            <a:spLocks noGrp="1" noRot="1" noChangeAspect="1"/>
-          </p:cNvSpPr>
-          <p:nvPr>
-            <p:ph type="sldImg"/>
-          </p:nvPr>
-        </p:nvSpPr>
-        <p:spPr/>
-      </p:sp>
-      <p:sp>
-        <p:nvSpPr>
-          <p:cNvPr id="3" name="Notes Placeholder 2"/>
-          <p:cNvSpPr>
-            <a:spLocks noGrp="1"/>
-          </p:cNvSpPr>
-          <p:nvPr>
-            <p:ph type="body" idx="1"/>
-          </p:nvPr>
-        </p:nvSpPr>
-        <p:spPr/>
-        <p:txBody>
-          <a:bodyPr/>
-          <a:lstStyle/>
-          <a:p>
-            <a:endParaRPr lang="en-US" dirty="0"/>
-          </a:p>
-        </p:txBody>
-      </p:sp>
-      <p:sp>
-        <p:nvSpPr>
-          <p:cNvPr id="4" name="Slide Number Placeholder 3"/>
-          <p:cNvSpPr>
-            <a:spLocks noGrp="1"/>
-          </p:cNvSpPr>
-          <p:nvPr>
-            <p:ph type="sldNum" sz="quarter" idx="5"/>
-          </p:nvPr>
-        </p:nvSpPr>
-        <p:spPr/>
-        <p:txBody>
-          <a:bodyPr/>
-          <a:lstStyle/>
-          <a:p>
-            <a:fld id="{A89C7E07-3C67-C64C-8DA0-0404F6303970}" type="slidenum">
-              <a:rPr lang="en-US" smtClean="0"/>
-              <a:t>8</a:t>
-            </a:fld>
-            <a:endParaRPr lang="en-US" dirty="0"/>
-          </a:p>
-        </p:txBody>
-      </p:sp>
-    </p:spTree>
-    <p:extLst>
-      <p:ext uri="{BB962C8B-B14F-4D97-AF65-F5344CB8AC3E}">
-        <p14:creationId xmlns:p14="http://schemas.microsoft.com/office/powerpoint/2010/main" val="501160436"/>
-      </p:ext>
-    </p:extLst>
-  </p:cSld>
-  <p:clrMapOvr>
-    <a:masterClrMapping/>
-  </p:clrMapOvr>
-</p:notes>
-</file>
-
-<file path=ppt/notesSlides/notesSlide910.xml><?xml version="1.0" encoding="utf-8"?>
-<p:notes xmlns:a="http://schemas.openxmlformats.org/drawingml/2006/main" xmlns:r="http://schemas.openxmlformats.org/officeDocument/2006/relationships" xmlns:p="http://schemas.openxmlformats.org/presentationml/2006/main">
-  <p:cSld>
-    <p:spTree>
-      <p:nvGrpSpPr>
-        <p:cNvPr id="1" name=""/>
-        <p:cNvGrpSpPr/>
-        <p:nvPr/>
-      </p:nvGrpSpPr>
-      <p:grpSpPr>
-        <a:xfrm>
-          <a:off x="0" y="0"/>
-          <a:ext cx="0" cy="0"/>
-          <a:chOff x="0" y="0"/>
-          <a:chExt cx="0" cy="0"/>
-        </a:xfrm>
-      </p:grpSpPr>
-      <p:sp>
-        <p:nvSpPr>
-          <p:cNvPr id="2" name="Slide Image Placeholder 1"/>
-          <p:cNvSpPr>
-            <a:spLocks noGrp="1" noRot="1" noChangeAspect="1"/>
-          </p:cNvSpPr>
-          <p:nvPr>
-            <p:ph type="sldImg"/>
-          </p:nvPr>
-        </p:nvSpPr>
-        <p:spPr/>
-      </p:sp>
-      <p:sp>
-        <p:nvSpPr>
-          <p:cNvPr id="3" name="Notes Placeholder 2"/>
-          <p:cNvSpPr>
-            <a:spLocks noGrp="1"/>
-          </p:cNvSpPr>
-          <p:nvPr>
-            <p:ph type="body" idx="1"/>
-          </p:nvPr>
-        </p:nvSpPr>
-        <p:spPr/>
-        <p:txBody>
-          <a:bodyPr/>
-          <a:lstStyle/>
-          <a:p>
-            <a:endParaRPr lang="en-US" dirty="0"/>
-          </a:p>
-        </p:txBody>
-      </p:sp>
-      <p:sp>
-        <p:nvSpPr>
-          <p:cNvPr id="4" name="Slide Number Placeholder 3"/>
-          <p:cNvSpPr>
-            <a:spLocks noGrp="1"/>
-          </p:cNvSpPr>
-          <p:nvPr>
-            <p:ph type="sldNum" sz="quarter" idx="5"/>
-          </p:nvPr>
-        </p:nvSpPr>
-        <p:spPr/>
-        <p:txBody>
-          <a:bodyPr/>
-          <a:lstStyle/>
-          <a:p>
-            <a:fld id="{A89C7E07-3C67-C64C-8DA0-0404F6303970}" type="slidenum">
-              <a:rPr lang="en-US" smtClean="0"/>
-              <a:t>9</a:t>
-            </a:fld>
-            <a:endParaRPr lang="en-US" dirty="0"/>
-          </a:p>
-        </p:txBody>
-      </p:sp>
-    </p:spTree>
-    <p:extLst>
-      <p:ext uri="{BB962C8B-B14F-4D97-AF65-F5344CB8AC3E}">
-        <p14:creationId xmlns:p14="http://schemas.microsoft.com/office/powerpoint/2010/main" val="2994759380"/>
-      </p:ext>
-    </p:extLst>
-  </p:cSld>
-  <p:clrMapOvr>
-    <a:masterClrMapping/>
-  </p:clrMapOvr>
-</p:notes>
 </file>
 
 <file path=ppt/slideLayouts/slideLayout1011.xml><?xml version="1.0" encoding="utf-8"?>
